--- a/week10-11/w11_part3/비디오에디터.pptx
+++ b/week10-11/w11_part3/비디오에디터.pptx
@@ -3341,7 +3341,7 @@
         <p:spPr>
           <a:xfrm>
             <a:off x="342900" y="441741"/>
-            <a:ext cx="7867859" cy="3323987"/>
+            <a:ext cx="7867859" cy="3539430"/>
           </a:xfrm>
           <a:prstGeom prst="rect">
             <a:avLst/>
@@ -3574,9 +3574,13 @@
             <a:endParaRPr lang="en-US" altLang="ko-KR" sz="1400" dirty="0"/>
           </a:p>
           <a:p>
+            <a:pPr marL="285750" indent="-285750">
+              <a:buFont typeface="Arial" panose="020B0604020202020204" pitchFamily="34" charset="0"/>
+              <a:buChar char="•"/>
+            </a:pPr>
             <a:r>
               <a:rPr lang="en-US" altLang="ko-KR" sz="1400" dirty="0"/>
-              <a:t>* 4</a:t>
+              <a:t>4</a:t>
             </a:r>
             <a:r>
               <a:rPr lang="ko-KR" altLang="en-US" sz="1400" dirty="0"/>
@@ -3590,6 +3594,26 @@
               <a:rPr lang="ko-KR" altLang="en-US" sz="1400" dirty="0"/>
               <a:t> 하기</a:t>
             </a:r>
+            <a:endParaRPr lang="en-US" altLang="ko-KR" sz="1400" dirty="0"/>
+          </a:p>
+          <a:p>
+            <a:pPr marL="285750" indent="-285750">
+              <a:buFont typeface="Arial" panose="020B0604020202020204" pitchFamily="34" charset="0"/>
+              <a:buChar char="•"/>
+            </a:pPr>
+            <a:r>
+              <a:rPr lang="en-US" altLang="ko-KR" sz="1400" dirty="0" err="1"/>
+              <a:t>vercel.json</a:t>
+            </a:r>
+            <a:r>
+              <a:rPr lang="en-US" altLang="ko-KR" sz="1400" dirty="0"/>
+              <a:t> </a:t>
+            </a:r>
+            <a:r>
+              <a:rPr lang="ko-KR" altLang="en-US" sz="1400"/>
+              <a:t>크로스 관련 셋팅 값 넣어놓기</a:t>
+            </a:r>
+            <a:endParaRPr lang="ko-KR" altLang="en-US" sz="1400" dirty="0"/>
           </a:p>
         </p:txBody>
       </p:sp>
